--- a/Semana_01/src/Ejemplo01/LPI_sesion_01 - GUI.pptx
+++ b/Semana_01/src/Ejemplo01/LPI_sesion_01 - GUI.pptx
@@ -254,7 +254,7 @@
           <a:p>
             <a:fld id="{1C3FFBD5-55DF-46D5-8F1F-82647587FDDB}" type="datetimeFigureOut">
               <a:rPr lang="es-PE" smtClean="0"/>
-              <a:t>22/02/2018</a:t>
+              <a:t>6/05/2019</a:t>
             </a:fld>
             <a:endParaRPr lang="es-PE"/>
           </a:p>
@@ -419,7 +419,7 @@
           <a:p>
             <a:fld id="{720A4AEC-F0E5-4D6C-AEBB-05B52BD7B57B}" type="datetimeFigureOut">
               <a:rPr lang="es-PE" smtClean="0"/>
-              <a:t>22/02/2018</a:t>
+              <a:t>6/05/2019</a:t>
             </a:fld>
             <a:endParaRPr lang="es-PE"/>
           </a:p>
@@ -3816,28 +3816,28 @@
                 <a:gridCol w="2402732">
                   <a:extLst>
                     <a:ext uri="{9D8B030D-6E8A-4147-A177-3AD203B41FA5}">
-                      <a16:colId xmlns:a16="http://schemas.microsoft.com/office/drawing/2014/main" val="20000"/>
+                      <a16:colId xmlns:a16="http://schemas.microsoft.com/office/drawing/2014/main" xmlns="" val="20000"/>
                     </a:ext>
                   </a:extLst>
                 </a:gridCol>
                 <a:gridCol w="1809345">
                   <a:extLst>
                     <a:ext uri="{9D8B030D-6E8A-4147-A177-3AD203B41FA5}">
-                      <a16:colId xmlns:a16="http://schemas.microsoft.com/office/drawing/2014/main" val="20001"/>
+                      <a16:colId xmlns:a16="http://schemas.microsoft.com/office/drawing/2014/main" xmlns="" val="20001"/>
                     </a:ext>
                   </a:extLst>
                 </a:gridCol>
                 <a:gridCol w="2397868">
                   <a:extLst>
                     <a:ext uri="{9D8B030D-6E8A-4147-A177-3AD203B41FA5}">
-                      <a16:colId xmlns:a16="http://schemas.microsoft.com/office/drawing/2014/main" val="20002"/>
+                      <a16:colId xmlns:a16="http://schemas.microsoft.com/office/drawing/2014/main" xmlns="" val="20002"/>
                     </a:ext>
                   </a:extLst>
                 </a:gridCol>
                 <a:gridCol w="2203315">
                   <a:extLst>
                     <a:ext uri="{9D8B030D-6E8A-4147-A177-3AD203B41FA5}">
-                      <a16:colId xmlns:a16="http://schemas.microsoft.com/office/drawing/2014/main" val="20003"/>
+                      <a16:colId xmlns:a16="http://schemas.microsoft.com/office/drawing/2014/main" xmlns="" val="20003"/>
                     </a:ext>
                   </a:extLst>
                 </a:gridCol>
@@ -4231,7 +4231,7 @@
                 </a:tc>
                 <a:extLst>
                   <a:ext uri="{0D108BD9-81ED-4DB2-BD59-A6C34878D82A}">
-                    <a16:rowId xmlns:a16="http://schemas.microsoft.com/office/drawing/2014/main" val="10000"/>
+                    <a16:rowId xmlns:a16="http://schemas.microsoft.com/office/drawing/2014/main" xmlns="" val="10000"/>
                   </a:ext>
                 </a:extLst>
               </a:tr>
@@ -4668,7 +4668,7 @@
                 </a:tc>
                 <a:extLst>
                   <a:ext uri="{0D108BD9-81ED-4DB2-BD59-A6C34878D82A}">
-                    <a16:rowId xmlns:a16="http://schemas.microsoft.com/office/drawing/2014/main" val="10001"/>
+                    <a16:rowId xmlns:a16="http://schemas.microsoft.com/office/drawing/2014/main" xmlns="" val="10001"/>
                   </a:ext>
                 </a:extLst>
               </a:tr>
@@ -16410,28 +16410,28 @@
                 <a:gridCol w="2402732">
                   <a:extLst>
                     <a:ext uri="{9D8B030D-6E8A-4147-A177-3AD203B41FA5}">
-                      <a16:colId xmlns:a16="http://schemas.microsoft.com/office/drawing/2014/main" val="20000"/>
+                      <a16:colId xmlns:a16="http://schemas.microsoft.com/office/drawing/2014/main" xmlns="" val="20000"/>
                     </a:ext>
                   </a:extLst>
                 </a:gridCol>
                 <a:gridCol w="1809345">
                   <a:extLst>
                     <a:ext uri="{9D8B030D-6E8A-4147-A177-3AD203B41FA5}">
-                      <a16:colId xmlns:a16="http://schemas.microsoft.com/office/drawing/2014/main" val="20001"/>
+                      <a16:colId xmlns:a16="http://schemas.microsoft.com/office/drawing/2014/main" xmlns="" val="20001"/>
                     </a:ext>
                   </a:extLst>
                 </a:gridCol>
                 <a:gridCol w="2397868">
                   <a:extLst>
                     <a:ext uri="{9D8B030D-6E8A-4147-A177-3AD203B41FA5}">
-                      <a16:colId xmlns:a16="http://schemas.microsoft.com/office/drawing/2014/main" val="20002"/>
+                      <a16:colId xmlns:a16="http://schemas.microsoft.com/office/drawing/2014/main" xmlns="" val="20002"/>
                     </a:ext>
                   </a:extLst>
                 </a:gridCol>
                 <a:gridCol w="2203315">
                   <a:extLst>
                     <a:ext uri="{9D8B030D-6E8A-4147-A177-3AD203B41FA5}">
-                      <a16:colId xmlns:a16="http://schemas.microsoft.com/office/drawing/2014/main" val="20003"/>
+                      <a16:colId xmlns:a16="http://schemas.microsoft.com/office/drawing/2014/main" xmlns="" val="20003"/>
                     </a:ext>
                   </a:extLst>
                 </a:gridCol>
@@ -16825,7 +16825,7 @@
                 </a:tc>
                 <a:extLst>
                   <a:ext uri="{0D108BD9-81ED-4DB2-BD59-A6C34878D82A}">
-                    <a16:rowId xmlns:a16="http://schemas.microsoft.com/office/drawing/2014/main" val="10000"/>
+                    <a16:rowId xmlns:a16="http://schemas.microsoft.com/office/drawing/2014/main" xmlns="" val="10000"/>
                   </a:ext>
                 </a:extLst>
               </a:tr>
@@ -17262,7 +17262,7 @@
                 </a:tc>
                 <a:extLst>
                   <a:ext uri="{0D108BD9-81ED-4DB2-BD59-A6C34878D82A}">
-                    <a16:rowId xmlns:a16="http://schemas.microsoft.com/office/drawing/2014/main" val="10001"/>
+                    <a16:rowId xmlns:a16="http://schemas.microsoft.com/office/drawing/2014/main" xmlns="" val="10001"/>
                   </a:ext>
                 </a:extLst>
               </a:tr>
@@ -30431,7 +30431,7 @@
           <p:cNvPr id="10" name="Picture 2" descr="C:\Users\USER\AppData\Local\Microsoft\Windows\Temporary Internet Files\Content.IE5\JSOCHBFL\MC900432664[1].png">
             <a:extLst>
               <a:ext uri="{FF2B5EF4-FFF2-40B4-BE49-F238E27FC236}">
-                <a16:creationId xmlns:a16="http://schemas.microsoft.com/office/drawing/2014/main" id="{9374CCBA-B543-476B-B99C-101F98D1A973}"/>
+                <a16:creationId xmlns:a16="http://schemas.microsoft.com/office/drawing/2014/main" xmlns="" id="{9374CCBA-B543-476B-B99C-101F98D1A973}"/>
               </a:ext>
             </a:extLst>
           </p:cNvPr>
@@ -31184,7 +31184,7 @@
           <p:cNvPr id="9" name="Picture 2" descr="C:\Users\USER\AppData\Local\Microsoft\Windows\Temporary Internet Files\Content.IE5\JSOCHBFL\MC900432664[1].png">
             <a:extLst>
               <a:ext uri="{FF2B5EF4-FFF2-40B4-BE49-F238E27FC236}">
-                <a16:creationId xmlns:a16="http://schemas.microsoft.com/office/drawing/2014/main" id="{3D04BB56-66D3-439B-986C-984F413E0658}"/>
+                <a16:creationId xmlns:a16="http://schemas.microsoft.com/office/drawing/2014/main" xmlns="" id="{3D04BB56-66D3-439B-986C-984F413E0658}"/>
               </a:ext>
             </a:extLst>
           </p:cNvPr>
@@ -31851,7 +31851,7 @@
           <p:cNvPr id="10" name="Picture 2" descr="C:\Users\USER\AppData\Local\Microsoft\Windows\Temporary Internet Files\Content.IE5\JSOCHBFL\MC900432664[1].png">
             <a:extLst>
               <a:ext uri="{FF2B5EF4-FFF2-40B4-BE49-F238E27FC236}">
-                <a16:creationId xmlns:a16="http://schemas.microsoft.com/office/drawing/2014/main" id="{CDBB3923-BC59-4548-8BB5-E5768D07FAB8}"/>
+                <a16:creationId xmlns:a16="http://schemas.microsoft.com/office/drawing/2014/main" xmlns="" id="{CDBB3923-BC59-4548-8BB5-E5768D07FAB8}"/>
               </a:ext>
             </a:extLst>
           </p:cNvPr>
@@ -31883,7 +31883,7 @@
           <p:cNvPr id="9" name="Imagen 8" descr="Recorte de pantalla">
             <a:extLst>
               <a:ext uri="{FF2B5EF4-FFF2-40B4-BE49-F238E27FC236}">
-                <a16:creationId xmlns:a16="http://schemas.microsoft.com/office/drawing/2014/main" id="{92EB1EF4-7853-4D3C-8CD2-CB91DEDEB4BC}"/>
+                <a16:creationId xmlns:a16="http://schemas.microsoft.com/office/drawing/2014/main" xmlns="" id="{92EB1EF4-7853-4D3C-8CD2-CB91DEDEB4BC}"/>
               </a:ext>
             </a:extLst>
           </p:cNvPr>
@@ -31918,7 +31918,7 @@
           <p:cNvPr id="3" name="Bocadillo: rectángulo con esquinas redondeadas 2">
             <a:extLst>
               <a:ext uri="{FF2B5EF4-FFF2-40B4-BE49-F238E27FC236}">
-                <a16:creationId xmlns:a16="http://schemas.microsoft.com/office/drawing/2014/main" id="{1C60E426-724E-42FE-A45E-17D140C2BB43}"/>
+                <a16:creationId xmlns:a16="http://schemas.microsoft.com/office/drawing/2014/main" xmlns="" id="{1C60E426-724E-42FE-A45E-17D140C2BB43}"/>
               </a:ext>
             </a:extLst>
           </p:cNvPr>
@@ -32623,7 +32623,7 @@
           <p:cNvPr id="10" name="1 Rectángulo">
             <a:extLst>
               <a:ext uri="{FF2B5EF4-FFF2-40B4-BE49-F238E27FC236}">
-                <a16:creationId xmlns:a16="http://schemas.microsoft.com/office/drawing/2014/main" id="{CA78B587-0BE7-4BF3-A714-B9D111E19DC9}"/>
+                <a16:creationId xmlns:a16="http://schemas.microsoft.com/office/drawing/2014/main" xmlns="" id="{CA78B587-0BE7-4BF3-A714-B9D111E19DC9}"/>
               </a:ext>
             </a:extLst>
           </p:cNvPr>
@@ -33138,7 +33138,7 @@
           <p:cNvPr id="11" name="5 Marcador de contenido">
             <a:extLst>
               <a:ext uri="{FF2B5EF4-FFF2-40B4-BE49-F238E27FC236}">
-                <a16:creationId xmlns:a16="http://schemas.microsoft.com/office/drawing/2014/main" id="{07113BC1-4443-4056-AEE7-3A3073F7FECD}"/>
+                <a16:creationId xmlns:a16="http://schemas.microsoft.com/office/drawing/2014/main" xmlns="" id="{07113BC1-4443-4056-AEE7-3A3073F7FECD}"/>
               </a:ext>
             </a:extLst>
           </p:cNvPr>
@@ -34011,7 +34011,7 @@
           <p:cNvPr id="2" name="Título 1">
             <a:extLst>
               <a:ext uri="{FF2B5EF4-FFF2-40B4-BE49-F238E27FC236}">
-                <a16:creationId xmlns:a16="http://schemas.microsoft.com/office/drawing/2014/main" id="{81725496-C3CF-4894-AC9F-50217C191715}"/>
+                <a16:creationId xmlns:a16="http://schemas.microsoft.com/office/drawing/2014/main" xmlns="" id="{81725496-C3CF-4894-AC9F-50217C191715}"/>
               </a:ext>
             </a:extLst>
           </p:cNvPr>
@@ -34640,7 +34640,7 @@
           <p:cNvPr id="6" name="Imagen 5" descr="Recorte de pantalla">
             <a:extLst>
               <a:ext uri="{FF2B5EF4-FFF2-40B4-BE49-F238E27FC236}">
-                <a16:creationId xmlns:a16="http://schemas.microsoft.com/office/drawing/2014/main" id="{4E722F7E-1166-40A4-8996-D27FB6BFC35E}"/>
+                <a16:creationId xmlns:a16="http://schemas.microsoft.com/office/drawing/2014/main" xmlns="" id="{4E722F7E-1166-40A4-8996-D27FB6BFC35E}"/>
               </a:ext>
             </a:extLst>
           </p:cNvPr>
@@ -34706,7 +34706,7 @@
           <p:cNvPr id="16" name="Imagen 15" descr="Recorte de pantalla">
             <a:extLst>
               <a:ext uri="{FF2B5EF4-FFF2-40B4-BE49-F238E27FC236}">
-                <a16:creationId xmlns:a16="http://schemas.microsoft.com/office/drawing/2014/main" id="{7BB1D85D-E671-4B0C-B0C8-0EA445F255F2}"/>
+                <a16:creationId xmlns:a16="http://schemas.microsoft.com/office/drawing/2014/main" xmlns="" id="{7BB1D85D-E671-4B0C-B0C8-0EA445F255F2}"/>
               </a:ext>
             </a:extLst>
           </p:cNvPr>
@@ -35034,7 +35034,7 @@
           <p:cNvPr id="14" name="Rectángulo redondeado 11">
             <a:extLst>
               <a:ext uri="{FF2B5EF4-FFF2-40B4-BE49-F238E27FC236}">
-                <a16:creationId xmlns:a16="http://schemas.microsoft.com/office/drawing/2014/main" id="{FC8B2605-3F9A-48C4-9BDD-FE4E5ECBAB9B}"/>
+                <a16:creationId xmlns:a16="http://schemas.microsoft.com/office/drawing/2014/main" xmlns="" id="{FC8B2605-3F9A-48C4-9BDD-FE4E5ECBAB9B}"/>
               </a:ext>
             </a:extLst>
           </p:cNvPr>
@@ -35086,7 +35086,7 @@
           <p:cNvPr id="17" name="Rectángulo redondeado 11">
             <a:extLst>
               <a:ext uri="{FF2B5EF4-FFF2-40B4-BE49-F238E27FC236}">
-                <a16:creationId xmlns:a16="http://schemas.microsoft.com/office/drawing/2014/main" id="{CFDB7A52-48F9-4CA6-BD88-AC2F4B2A3E44}"/>
+                <a16:creationId xmlns:a16="http://schemas.microsoft.com/office/drawing/2014/main" xmlns="" id="{CFDB7A52-48F9-4CA6-BD88-AC2F4B2A3E44}"/>
               </a:ext>
             </a:extLst>
           </p:cNvPr>
@@ -35138,7 +35138,7 @@
           <p:cNvPr id="18" name="Imagen 17">
             <a:extLst>
               <a:ext uri="{FF2B5EF4-FFF2-40B4-BE49-F238E27FC236}">
-                <a16:creationId xmlns:a16="http://schemas.microsoft.com/office/drawing/2014/main" id="{765D40FE-A397-4DAF-A8DD-3A2DF1BA08BD}"/>
+                <a16:creationId xmlns:a16="http://schemas.microsoft.com/office/drawing/2014/main" xmlns="" id="{765D40FE-A397-4DAF-A8DD-3A2DF1BA08BD}"/>
               </a:ext>
             </a:extLst>
           </p:cNvPr>
@@ -35286,7 +35286,7 @@
           <p:cNvPr id="12" name="Picture 3" descr="actividad.gif">
             <a:extLst>
               <a:ext uri="{FF2B5EF4-FFF2-40B4-BE49-F238E27FC236}">
-                <a16:creationId xmlns:a16="http://schemas.microsoft.com/office/drawing/2014/main" id="{07453CCD-FBD0-4DC2-A264-FB330692DB42}"/>
+                <a16:creationId xmlns:a16="http://schemas.microsoft.com/office/drawing/2014/main" xmlns="" id="{07453CCD-FBD0-4DC2-A264-FB330692DB42}"/>
               </a:ext>
             </a:extLst>
           </p:cNvPr>
@@ -35324,7 +35324,7 @@
           <p:cNvPr id="9" name="Imagen 8">
             <a:extLst>
               <a:ext uri="{FF2B5EF4-FFF2-40B4-BE49-F238E27FC236}">
-                <a16:creationId xmlns:a16="http://schemas.microsoft.com/office/drawing/2014/main" id="{3F90ADB4-CE62-4169-92B3-0EEA13C80D80}"/>
+                <a16:creationId xmlns:a16="http://schemas.microsoft.com/office/drawing/2014/main" xmlns="" id="{3F90ADB4-CE62-4169-92B3-0EEA13C80D80}"/>
               </a:ext>
             </a:extLst>
           </p:cNvPr>
@@ -35526,7 +35526,7 @@
           <p:cNvPr id="3" name="Grupo 2">
             <a:extLst>
               <a:ext uri="{FF2B5EF4-FFF2-40B4-BE49-F238E27FC236}">
-                <a16:creationId xmlns:a16="http://schemas.microsoft.com/office/drawing/2014/main" id="{605FB8C5-021D-4DB2-96EE-133337F93515}"/>
+                <a16:creationId xmlns:a16="http://schemas.microsoft.com/office/drawing/2014/main" xmlns="" id="{605FB8C5-021D-4DB2-96EE-133337F93515}"/>
               </a:ext>
             </a:extLst>
           </p:cNvPr>
@@ -35797,7 +35797,7 @@
             <p:cNvPr id="12" name="8 Rectángulo">
               <a:extLst>
                 <a:ext uri="{FF2B5EF4-FFF2-40B4-BE49-F238E27FC236}">
-                  <a16:creationId xmlns:a16="http://schemas.microsoft.com/office/drawing/2014/main" id="{B40CD154-EA6B-4543-B89F-01F850494246}"/>
+                  <a16:creationId xmlns:a16="http://schemas.microsoft.com/office/drawing/2014/main" xmlns="" id="{B40CD154-EA6B-4543-B89F-01F850494246}"/>
                 </a:ext>
               </a:extLst>
             </p:cNvPr>
@@ -36067,7 +36067,7 @@
           <p:cNvPr id="7" name="Grupo 6">
             <a:extLst>
               <a:ext uri="{FF2B5EF4-FFF2-40B4-BE49-F238E27FC236}">
-                <a16:creationId xmlns:a16="http://schemas.microsoft.com/office/drawing/2014/main" id="{89F34B23-62B8-4980-9C15-ED3EDCB4EC55}"/>
+                <a16:creationId xmlns:a16="http://schemas.microsoft.com/office/drawing/2014/main" xmlns="" id="{89F34B23-62B8-4980-9C15-ED3EDCB4EC55}"/>
               </a:ext>
             </a:extLst>
           </p:cNvPr>
@@ -36087,7 +36087,7 @@
             <p:cNvPr id="8" name="Picture 2">
               <a:extLst>
                 <a:ext uri="{FF2B5EF4-FFF2-40B4-BE49-F238E27FC236}">
-                  <a16:creationId xmlns:a16="http://schemas.microsoft.com/office/drawing/2014/main" id="{539351F3-85A4-4D17-A4F8-61FD99118286}"/>
+                  <a16:creationId xmlns:a16="http://schemas.microsoft.com/office/drawing/2014/main" xmlns="" id="{539351F3-85A4-4D17-A4F8-61FD99118286}"/>
                 </a:ext>
               </a:extLst>
             </p:cNvPr>
@@ -36145,7 +36145,7 @@
             <p:cNvPr id="10" name="Picture 2">
               <a:extLst>
                 <a:ext uri="{FF2B5EF4-FFF2-40B4-BE49-F238E27FC236}">
-                  <a16:creationId xmlns:a16="http://schemas.microsoft.com/office/drawing/2014/main" id="{F0C6BAAD-2528-496F-985A-7A6E0057EE48}"/>
+                  <a16:creationId xmlns:a16="http://schemas.microsoft.com/office/drawing/2014/main" xmlns="" id="{F0C6BAAD-2528-496F-985A-7A6E0057EE48}"/>
                 </a:ext>
               </a:extLst>
             </p:cNvPr>
@@ -36204,7 +36204,7 @@
           <p:cNvPr id="15" name="Grupo 14">
             <a:extLst>
               <a:ext uri="{FF2B5EF4-FFF2-40B4-BE49-F238E27FC236}">
-                <a16:creationId xmlns:a16="http://schemas.microsoft.com/office/drawing/2014/main" id="{D28CE65C-90D8-4316-9684-4A6F43C2282C}"/>
+                <a16:creationId xmlns:a16="http://schemas.microsoft.com/office/drawing/2014/main" xmlns="" id="{D28CE65C-90D8-4316-9684-4A6F43C2282C}"/>
               </a:ext>
             </a:extLst>
           </p:cNvPr>
@@ -36224,7 +36224,7 @@
             <p:cNvPr id="11" name="Grupo 10">
               <a:extLst>
                 <a:ext uri="{FF2B5EF4-FFF2-40B4-BE49-F238E27FC236}">
-                  <a16:creationId xmlns:a16="http://schemas.microsoft.com/office/drawing/2014/main" id="{993B25EA-267F-4887-9170-5214C67FDDCE}"/>
+                  <a16:creationId xmlns:a16="http://schemas.microsoft.com/office/drawing/2014/main" xmlns="" id="{993B25EA-267F-4887-9170-5214C67FDDCE}"/>
                 </a:ext>
               </a:extLst>
             </p:cNvPr>
@@ -36244,7 +36244,7 @@
               <p:cNvPr id="12" name="Picture 2">
                 <a:extLst>
                   <a:ext uri="{FF2B5EF4-FFF2-40B4-BE49-F238E27FC236}">
-                    <a16:creationId xmlns:a16="http://schemas.microsoft.com/office/drawing/2014/main" id="{34E9B441-1E08-4785-B1BC-644C5D91C10F}"/>
+                    <a16:creationId xmlns:a16="http://schemas.microsoft.com/office/drawing/2014/main" xmlns="" id="{34E9B441-1E08-4785-B1BC-644C5D91C10F}"/>
                   </a:ext>
                 </a:extLst>
               </p:cNvPr>
@@ -36302,7 +36302,7 @@
               <p:cNvPr id="13" name="Picture 2">
                 <a:extLst>
                   <a:ext uri="{FF2B5EF4-FFF2-40B4-BE49-F238E27FC236}">
-                    <a16:creationId xmlns:a16="http://schemas.microsoft.com/office/drawing/2014/main" id="{D692EE56-5D0A-409F-9A70-FBFE8BBF9A06}"/>
+                    <a16:creationId xmlns:a16="http://schemas.microsoft.com/office/drawing/2014/main" xmlns="" id="{D692EE56-5D0A-409F-9A70-FBFE8BBF9A06}"/>
                   </a:ext>
                 </a:extLst>
               </p:cNvPr>
@@ -36361,7 +36361,7 @@
             <p:cNvPr id="14" name="Imagen 13">
               <a:extLst>
                 <a:ext uri="{FF2B5EF4-FFF2-40B4-BE49-F238E27FC236}">
-                  <a16:creationId xmlns:a16="http://schemas.microsoft.com/office/drawing/2014/main" id="{731A52D0-4712-4024-8F89-6628F9F4D000}"/>
+                  <a16:creationId xmlns:a16="http://schemas.microsoft.com/office/drawing/2014/main" xmlns="" id="{731A52D0-4712-4024-8F89-6628F9F4D000}"/>
                 </a:ext>
               </a:extLst>
             </p:cNvPr>
@@ -36391,7 +36391,7 @@
           <p:cNvPr id="5" name="Imagen 4">
             <a:extLst>
               <a:ext uri="{FF2B5EF4-FFF2-40B4-BE49-F238E27FC236}">
-                <a16:creationId xmlns:a16="http://schemas.microsoft.com/office/drawing/2014/main" id="{171FD5EE-B222-40DE-BB4B-CFF18CB546E6}"/>
+                <a16:creationId xmlns:a16="http://schemas.microsoft.com/office/drawing/2014/main" xmlns="" id="{171FD5EE-B222-40DE-BB4B-CFF18CB546E6}"/>
               </a:ext>
             </a:extLst>
           </p:cNvPr>
@@ -36699,6 +36699,10 @@
             <a:r>
               <a:rPr lang="es-PE" sz="2000" dirty="0" err="1"/>
               <a:t>JScrollPane</a:t>
+            </a:r>
+            <a:r>
+              <a:rPr lang="es-PE" sz="2000" dirty="0"/>
+              <a:t/>
             </a:r>
             <a:br>
               <a:rPr lang="es-PE" sz="2000" dirty="0"/>
@@ -38096,7 +38100,7 @@
           <p:cNvPr id="2" name="Marcador de contenido 1">
             <a:extLst>
               <a:ext uri="{FF2B5EF4-FFF2-40B4-BE49-F238E27FC236}">
-                <a16:creationId xmlns:a16="http://schemas.microsoft.com/office/drawing/2014/main" id="{EF63A662-8412-4575-96A2-DFB152FAB229}"/>
+                <a16:creationId xmlns:a16="http://schemas.microsoft.com/office/drawing/2014/main" xmlns="" id="{EF63A662-8412-4575-96A2-DFB152FAB229}"/>
               </a:ext>
             </a:extLst>
           </p:cNvPr>
@@ -38180,7 +38184,7 @@
           <p:cNvPr id="3" name="Título 2">
             <a:extLst>
               <a:ext uri="{FF2B5EF4-FFF2-40B4-BE49-F238E27FC236}">
-                <a16:creationId xmlns:a16="http://schemas.microsoft.com/office/drawing/2014/main" id="{92D5AF26-6A6F-4FBE-AE5D-BFF847435A7D}"/>
+                <a16:creationId xmlns:a16="http://schemas.microsoft.com/office/drawing/2014/main" xmlns="" id="{92D5AF26-6A6F-4FBE-AE5D-BFF847435A7D}"/>
               </a:ext>
             </a:extLst>
           </p:cNvPr>
@@ -39068,7 +39072,7 @@
           <p:cNvPr id="9" name="Rectángulo 8">
             <a:extLst>
               <a:ext uri="{FF2B5EF4-FFF2-40B4-BE49-F238E27FC236}">
-                <a16:creationId xmlns:a16="http://schemas.microsoft.com/office/drawing/2014/main" id="{82A45DB0-6EF9-4AF4-B07D-03831E57F7B5}"/>
+                <a16:creationId xmlns:a16="http://schemas.microsoft.com/office/drawing/2014/main" xmlns="" id="{82A45DB0-6EF9-4AF4-B07D-03831E57F7B5}"/>
               </a:ext>
             </a:extLst>
           </p:cNvPr>
@@ -39298,7 +39302,7 @@
           <p:cNvPr id="9" name="Marcador de contenido 1">
             <a:extLst>
               <a:ext uri="{FF2B5EF4-FFF2-40B4-BE49-F238E27FC236}">
-                <a16:creationId xmlns:a16="http://schemas.microsoft.com/office/drawing/2014/main" id="{9D0F2397-A8B5-4C90-BC79-8AD358EA52F5}"/>
+                <a16:creationId xmlns:a16="http://schemas.microsoft.com/office/drawing/2014/main" xmlns="" id="{9D0F2397-A8B5-4C90-BC79-8AD358EA52F5}"/>
               </a:ext>
             </a:extLst>
           </p:cNvPr>
@@ -39481,7 +39485,7 @@
           <p:cNvPr id="11" name="Imagen 10" descr="Recorte de pantalla">
             <a:extLst>
               <a:ext uri="{FF2B5EF4-FFF2-40B4-BE49-F238E27FC236}">
-                <a16:creationId xmlns:a16="http://schemas.microsoft.com/office/drawing/2014/main" id="{FBCE9F10-B0DB-4A06-9535-A884DC6A77B0}"/>
+                <a16:creationId xmlns:a16="http://schemas.microsoft.com/office/drawing/2014/main" xmlns="" id="{FBCE9F10-B0DB-4A06-9535-A884DC6A77B0}"/>
               </a:ext>
             </a:extLst>
           </p:cNvPr>
@@ -39517,7 +39521,7 @@
           <p:cNvPr id="12" name="Picture 3" descr="actividad.gif">
             <a:extLst>
               <a:ext uri="{FF2B5EF4-FFF2-40B4-BE49-F238E27FC236}">
-                <a16:creationId xmlns:a16="http://schemas.microsoft.com/office/drawing/2014/main" id="{C6D35A94-540E-43F7-BF6A-6099D55A88EF}"/>
+                <a16:creationId xmlns:a16="http://schemas.microsoft.com/office/drawing/2014/main" xmlns="" id="{C6D35A94-540E-43F7-BF6A-6099D55A88EF}"/>
               </a:ext>
             </a:extLst>
           </p:cNvPr>
@@ -39851,7 +39855,7 @@
           <p:cNvPr id="9" name="Rectángulo redondeado 7">
             <a:extLst>
               <a:ext uri="{FF2B5EF4-FFF2-40B4-BE49-F238E27FC236}">
-                <a16:creationId xmlns:a16="http://schemas.microsoft.com/office/drawing/2014/main" id="{99CB1A1F-D84E-4A4F-801F-E12C41A67762}"/>
+                <a16:creationId xmlns:a16="http://schemas.microsoft.com/office/drawing/2014/main" xmlns="" id="{99CB1A1F-D84E-4A4F-801F-E12C41A67762}"/>
               </a:ext>
             </a:extLst>
           </p:cNvPr>
@@ -39903,7 +39907,7 @@
           <p:cNvPr id="10" name="Conector recto de flecha 9">
             <a:extLst>
               <a:ext uri="{FF2B5EF4-FFF2-40B4-BE49-F238E27FC236}">
-                <a16:creationId xmlns:a16="http://schemas.microsoft.com/office/drawing/2014/main" id="{9F8DCB57-0CC4-4897-B456-E96B0836B107}"/>
+                <a16:creationId xmlns:a16="http://schemas.microsoft.com/office/drawing/2014/main" xmlns="" id="{9F8DCB57-0CC4-4897-B456-E96B0836B107}"/>
               </a:ext>
             </a:extLst>
           </p:cNvPr>
@@ -40144,7 +40148,7 @@
         </p:blipFill>
         <p:spPr>
           <a:xfrm>
-            <a:off x="1259632" y="4221088"/>
+            <a:off x="1561384" y="4561553"/>
             <a:ext cx="4392488" cy="1273605"/>
           </a:xfrm>
           <a:prstGeom prst="rect">
@@ -40340,7 +40344,7 @@
           <p:cNvPr id="15" name="Grupo 14">
             <a:extLst>
               <a:ext uri="{FF2B5EF4-FFF2-40B4-BE49-F238E27FC236}">
-                <a16:creationId xmlns:a16="http://schemas.microsoft.com/office/drawing/2014/main" id="{14579DA1-4370-4CE1-B0FB-6E152EA8D7A5}"/>
+                <a16:creationId xmlns:a16="http://schemas.microsoft.com/office/drawing/2014/main" xmlns="" id="{14579DA1-4370-4CE1-B0FB-6E152EA8D7A5}"/>
               </a:ext>
             </a:extLst>
           </p:cNvPr>
@@ -40360,7 +40364,7 @@
             <p:cNvPr id="16" name="Grupo 15">
               <a:extLst>
                 <a:ext uri="{FF2B5EF4-FFF2-40B4-BE49-F238E27FC236}">
-                  <a16:creationId xmlns:a16="http://schemas.microsoft.com/office/drawing/2014/main" id="{71047457-0C10-4162-8A22-77D98BF06A83}"/>
+                  <a16:creationId xmlns:a16="http://schemas.microsoft.com/office/drawing/2014/main" xmlns="" id="{71047457-0C10-4162-8A22-77D98BF06A83}"/>
                 </a:ext>
               </a:extLst>
             </p:cNvPr>
@@ -40380,7 +40384,7 @@
               <p:cNvPr id="18" name="Picture 2">
                 <a:extLst>
                   <a:ext uri="{FF2B5EF4-FFF2-40B4-BE49-F238E27FC236}">
-                    <a16:creationId xmlns:a16="http://schemas.microsoft.com/office/drawing/2014/main" id="{6B9A7500-F8FD-4B44-B58E-CA957DCF84F4}"/>
+                    <a16:creationId xmlns:a16="http://schemas.microsoft.com/office/drawing/2014/main" xmlns="" id="{6B9A7500-F8FD-4B44-B58E-CA957DCF84F4}"/>
                   </a:ext>
                 </a:extLst>
               </p:cNvPr>
@@ -40438,7 +40442,7 @@
               <p:cNvPr id="19" name="Picture 2">
                 <a:extLst>
                   <a:ext uri="{FF2B5EF4-FFF2-40B4-BE49-F238E27FC236}">
-                    <a16:creationId xmlns:a16="http://schemas.microsoft.com/office/drawing/2014/main" id="{939F62E7-E0A0-414A-9FEF-62F716406339}"/>
+                    <a16:creationId xmlns:a16="http://schemas.microsoft.com/office/drawing/2014/main" xmlns="" id="{939F62E7-E0A0-414A-9FEF-62F716406339}"/>
                   </a:ext>
                 </a:extLst>
               </p:cNvPr>
@@ -40497,7 +40501,7 @@
             <p:cNvPr id="17" name="Imagen 16">
               <a:extLst>
                 <a:ext uri="{FF2B5EF4-FFF2-40B4-BE49-F238E27FC236}">
-                  <a16:creationId xmlns:a16="http://schemas.microsoft.com/office/drawing/2014/main" id="{6D71EA72-CC52-41EB-A763-196B997E9B81}"/>
+                  <a16:creationId xmlns:a16="http://schemas.microsoft.com/office/drawing/2014/main" xmlns="" id="{6D71EA72-CC52-41EB-A763-196B997E9B81}"/>
                 </a:ext>
               </a:extLst>
             </p:cNvPr>
@@ -40703,7 +40707,7 @@
           <p:cNvPr id="12" name="Picture 3" descr="actividad.gif">
             <a:extLst>
               <a:ext uri="{FF2B5EF4-FFF2-40B4-BE49-F238E27FC236}">
-                <a16:creationId xmlns:a16="http://schemas.microsoft.com/office/drawing/2014/main" id="{C6D35A94-540E-43F7-BF6A-6099D55A88EF}"/>
+                <a16:creationId xmlns:a16="http://schemas.microsoft.com/office/drawing/2014/main" xmlns="" id="{C6D35A94-540E-43F7-BF6A-6099D55A88EF}"/>
               </a:ext>
             </a:extLst>
           </p:cNvPr>
@@ -40741,7 +40745,7 @@
           <p:cNvPr id="13" name="Grupo 12">
             <a:extLst>
               <a:ext uri="{FF2B5EF4-FFF2-40B4-BE49-F238E27FC236}">
-                <a16:creationId xmlns:a16="http://schemas.microsoft.com/office/drawing/2014/main" id="{CFE8BB2A-1301-4776-AE59-E10F324A680C}"/>
+                <a16:creationId xmlns:a16="http://schemas.microsoft.com/office/drawing/2014/main" xmlns="" id="{CFE8BB2A-1301-4776-AE59-E10F324A680C}"/>
               </a:ext>
             </a:extLst>
           </p:cNvPr>
@@ -40761,7 +40765,7 @@
             <p:cNvPr id="14" name="Grupo 13">
               <a:extLst>
                 <a:ext uri="{FF2B5EF4-FFF2-40B4-BE49-F238E27FC236}">
-                  <a16:creationId xmlns:a16="http://schemas.microsoft.com/office/drawing/2014/main" id="{B6535903-1AD2-4AE2-9595-486B48806DA5}"/>
+                  <a16:creationId xmlns:a16="http://schemas.microsoft.com/office/drawing/2014/main" xmlns="" id="{B6535903-1AD2-4AE2-9595-486B48806DA5}"/>
                 </a:ext>
               </a:extLst>
             </p:cNvPr>
@@ -40781,7 +40785,7 @@
               <p:cNvPr id="16" name="Picture 2">
                 <a:extLst>
                   <a:ext uri="{FF2B5EF4-FFF2-40B4-BE49-F238E27FC236}">
-                    <a16:creationId xmlns:a16="http://schemas.microsoft.com/office/drawing/2014/main" id="{B2C2127F-48E2-439D-9217-FF6C7C6290B0}"/>
+                    <a16:creationId xmlns:a16="http://schemas.microsoft.com/office/drawing/2014/main" xmlns="" id="{B2C2127F-48E2-439D-9217-FF6C7C6290B0}"/>
                   </a:ext>
                 </a:extLst>
               </p:cNvPr>
@@ -40839,7 +40843,7 @@
               <p:cNvPr id="17" name="Picture 2">
                 <a:extLst>
                   <a:ext uri="{FF2B5EF4-FFF2-40B4-BE49-F238E27FC236}">
-                    <a16:creationId xmlns:a16="http://schemas.microsoft.com/office/drawing/2014/main" id="{2AE072E0-132A-4A7E-899D-5526A5C2E822}"/>
+                    <a16:creationId xmlns:a16="http://schemas.microsoft.com/office/drawing/2014/main" xmlns="" id="{2AE072E0-132A-4A7E-899D-5526A5C2E822}"/>
                   </a:ext>
                 </a:extLst>
               </p:cNvPr>
@@ -40898,7 +40902,7 @@
             <p:cNvPr id="15" name="Imagen 14">
               <a:extLst>
                 <a:ext uri="{FF2B5EF4-FFF2-40B4-BE49-F238E27FC236}">
-                  <a16:creationId xmlns:a16="http://schemas.microsoft.com/office/drawing/2014/main" id="{438A65E5-B6B8-4A9A-B1DB-0D247C8E1175}"/>
+                  <a16:creationId xmlns:a16="http://schemas.microsoft.com/office/drawing/2014/main" xmlns="" id="{438A65E5-B6B8-4A9A-B1DB-0D247C8E1175}"/>
                 </a:ext>
               </a:extLst>
             </p:cNvPr>
@@ -40928,7 +40932,7 @@
           <p:cNvPr id="18" name="Marcador de contenido 1">
             <a:extLst>
               <a:ext uri="{FF2B5EF4-FFF2-40B4-BE49-F238E27FC236}">
-                <a16:creationId xmlns:a16="http://schemas.microsoft.com/office/drawing/2014/main" id="{EBA555B5-4553-4816-A1A3-E61046B25798}"/>
+                <a16:creationId xmlns:a16="http://schemas.microsoft.com/office/drawing/2014/main" xmlns="" id="{EBA555B5-4553-4816-A1A3-E61046B25798}"/>
               </a:ext>
             </a:extLst>
           </p:cNvPr>
@@ -41097,7 +41101,7 @@
           <p:cNvPr id="20" name="Marcador de contenido 1">
             <a:extLst>
               <a:ext uri="{FF2B5EF4-FFF2-40B4-BE49-F238E27FC236}">
-                <a16:creationId xmlns:a16="http://schemas.microsoft.com/office/drawing/2014/main" id="{CDABF331-D863-45F2-9752-A07E87CF6EE6}"/>
+                <a16:creationId xmlns:a16="http://schemas.microsoft.com/office/drawing/2014/main" xmlns="" id="{CDABF331-D863-45F2-9752-A07E87CF6EE6}"/>
               </a:ext>
             </a:extLst>
           </p:cNvPr>
@@ -41266,7 +41270,7 @@
           <p:cNvPr id="22" name="Grupo 21">
             <a:extLst>
               <a:ext uri="{FF2B5EF4-FFF2-40B4-BE49-F238E27FC236}">
-                <a16:creationId xmlns:a16="http://schemas.microsoft.com/office/drawing/2014/main" id="{F0EB47D7-E1A2-4A89-B2EA-FBD729856312}"/>
+                <a16:creationId xmlns:a16="http://schemas.microsoft.com/office/drawing/2014/main" xmlns="" id="{F0EB47D7-E1A2-4A89-B2EA-FBD729856312}"/>
               </a:ext>
             </a:extLst>
           </p:cNvPr>
@@ -41286,7 +41290,7 @@
             <p:cNvPr id="23" name="Picture 2">
               <a:extLst>
                 <a:ext uri="{FF2B5EF4-FFF2-40B4-BE49-F238E27FC236}">
-                  <a16:creationId xmlns:a16="http://schemas.microsoft.com/office/drawing/2014/main" id="{8BCBB466-54E4-4724-8601-38E322F944A0}"/>
+                  <a16:creationId xmlns:a16="http://schemas.microsoft.com/office/drawing/2014/main" xmlns="" id="{8BCBB466-54E4-4724-8601-38E322F944A0}"/>
                 </a:ext>
               </a:extLst>
             </p:cNvPr>
@@ -41344,7 +41348,7 @@
             <p:cNvPr id="24" name="Picture 2">
               <a:extLst>
                 <a:ext uri="{FF2B5EF4-FFF2-40B4-BE49-F238E27FC236}">
-                  <a16:creationId xmlns:a16="http://schemas.microsoft.com/office/drawing/2014/main" id="{B334DBDC-4F87-486B-81A0-D86F267B9CCC}"/>
+                  <a16:creationId xmlns:a16="http://schemas.microsoft.com/office/drawing/2014/main" xmlns="" id="{B334DBDC-4F87-486B-81A0-D86F267B9CCC}"/>
                 </a:ext>
               </a:extLst>
             </p:cNvPr>
@@ -41433,7 +41437,7 @@
           <p:cNvPr id="4" name="Título 3">
             <a:extLst>
               <a:ext uri="{FF2B5EF4-FFF2-40B4-BE49-F238E27FC236}">
-                <a16:creationId xmlns:a16="http://schemas.microsoft.com/office/drawing/2014/main" id="{15677E41-DD8E-48AB-9498-869BEFC0FA42}"/>
+                <a16:creationId xmlns:a16="http://schemas.microsoft.com/office/drawing/2014/main" xmlns="" id="{15677E41-DD8E-48AB-9498-869BEFC0FA42}"/>
               </a:ext>
             </a:extLst>
           </p:cNvPr>
@@ -41462,7 +41466,7 @@
           <p:cNvPr id="5" name="Marcador de texto 4">
             <a:extLst>
               <a:ext uri="{FF2B5EF4-FFF2-40B4-BE49-F238E27FC236}">
-                <a16:creationId xmlns:a16="http://schemas.microsoft.com/office/drawing/2014/main" id="{C5505314-E159-47DC-8712-F49D226BCAB1}"/>
+                <a16:creationId xmlns:a16="http://schemas.microsoft.com/office/drawing/2014/main" xmlns="" id="{C5505314-E159-47DC-8712-F49D226BCAB1}"/>
               </a:ext>
             </a:extLst>
           </p:cNvPr>
